--- a/Day2-Numpy/Ch02_NumPyEssentials.pptx
+++ b/Day2-Numpy/Ch02_NumPyEssentials.pptx
@@ -11397,16 +11397,14 @@
           <a:p>
             <a:r>
               <a:rPr lang="en-US" altLang="en-US" dirty="0"/>
-              <a:t>Please turn to the Exercise Manual and complete E</a:t>
-            </a:r>
-            <a:r>
-              <a:rPr altLang="en-US" dirty="0"/>
-              <a:t>xercise</a:t>
-            </a:r>
-            <a:r>
-              <a:rPr lang="en-US" altLang="en-US" dirty="0"/>
-              <a:t> 2.2</a:t>
-            </a:r>
+              <a:t>Please Open Day2-Labs notebook and complete the second lab</a:t>
+            </a:r>
+            <a:endParaRPr lang="en-US" altLang="en-US" dirty="0">
+              <a:latin typeface="Courier New" panose="02070309020205020404" pitchFamily="49" charset="0"/>
+              <a:cs typeface="Courier New" panose="02070309020205020404" pitchFamily="49" charset="0"/>
+            </a:endParaRPr>
+          </a:p>
+          <a:p>
             <a:endParaRPr altLang="en-US" dirty="0">
               <a:latin typeface="Courier New" panose="02070309020205020404" pitchFamily="49" charset="0"/>
               <a:cs typeface="Courier New" panose="02070309020205020404" pitchFamily="49" charset="0"/>
@@ -14676,7 +14674,7 @@
                 <a:latin typeface="Courier New"/>
                 <a:cs typeface="Courier New"/>
               </a:rPr>
-              <a:t>inv(), dot() </a:t>
+              <a:t>inv(), dot(), solve() </a:t>
             </a:r>
             <a:r>
               <a:rPr lang="en-US" dirty="0"/>
@@ -18939,15 +18937,7 @@
           <a:p>
             <a:r>
               <a:rPr lang="en-US" altLang="en-US" dirty="0"/>
-              <a:t>Please turn to the Exercise Manual and complete E</a:t>
-            </a:r>
-            <a:r>
-              <a:rPr altLang="en-US" dirty="0"/>
-              <a:t>xercise</a:t>
-            </a:r>
-            <a:r>
-              <a:rPr lang="en-US" altLang="en-US" dirty="0"/>
-              <a:t> 2.1</a:t>
+              <a:t>Please Open Day2-Labs notebook and complete the first lab</a:t>
             </a:r>
             <a:endParaRPr altLang="en-US" dirty="0">
               <a:latin typeface="Courier New" panose="02070309020205020404" pitchFamily="49" charset="0"/>
@@ -20646,61 +20636,6 @@
 </file>
 
 <file path=customXml/item2.xml><?xml version="1.0" encoding="utf-8"?>
-<?mso-contentType ?>
-<spe:Receivers xmlns:spe="http://schemas.microsoft.com/sharepoint/events">
-  <Receiver>
-    <Name>Document ID Generator</Name>
-    <Synchronization>Synchronous</Synchronization>
-    <Type>10001</Type>
-    <SequenceNumber>1000</SequenceNumber>
-    <Assembly>Microsoft.Office.DocumentManagement, Version=14.0.0.0, Culture=neutral, PublicKeyToken=71e9bce111e9429c</Assembly>
-    <Class>Microsoft.Office.DocumentManagement.Internal.DocIdHandler</Class>
-    <Data/>
-    <Filter/>
-  </Receiver>
-  <Receiver>
-    <Name>Document ID Generator</Name>
-    <Synchronization>Synchronous</Synchronization>
-    <Type>10002</Type>
-    <SequenceNumber>1001</SequenceNumber>
-    <Assembly>Microsoft.Office.DocumentManagement, Version=14.0.0.0, Culture=neutral, PublicKeyToken=71e9bce111e9429c</Assembly>
-    <Class>Microsoft.Office.DocumentManagement.Internal.DocIdHandler</Class>
-    <Data/>
-    <Filter/>
-  </Receiver>
-  <Receiver>
-    <Name>Document ID Generator</Name>
-    <Synchronization>Synchronous</Synchronization>
-    <Type>10004</Type>
-    <SequenceNumber>1002</SequenceNumber>
-    <Assembly>Microsoft.Office.DocumentManagement, Version=14.0.0.0, Culture=neutral, PublicKeyToken=71e9bce111e9429c</Assembly>
-    <Class>Microsoft.Office.DocumentManagement.Internal.DocIdHandler</Class>
-    <Data/>
-    <Filter/>
-  </Receiver>
-  <Receiver>
-    <Name>Document ID Generator</Name>
-    <Synchronization>Synchronous</Synchronization>
-    <Type>10006</Type>
-    <SequenceNumber>1003</SequenceNumber>
-    <Assembly>Microsoft.Office.DocumentManagement, Version=14.0.0.0, Culture=neutral, PublicKeyToken=71e9bce111e9429c</Assembly>
-    <Class>Microsoft.Office.DocumentManagement.Internal.DocIdHandler</Class>
-    <Data/>
-    <Filter/>
-  </Receiver>
-</spe:Receivers>
-</file>
-
-<file path=customXml/item3.xml><?xml version="1.0" encoding="utf-8"?>
-<?mso-contentType ?>
-<FormTemplates xmlns="http://schemas.microsoft.com/sharepoint/v3/contenttype/forms">
-  <Display>DocumentLibraryForm</Display>
-  <Edit>DocumentLibraryForm</Edit>
-  <New>DocumentLibraryForm</New>
-</FormTemplates>
-</file>
-
-<file path=customXml/item4.xml><?xml version="1.0" encoding="utf-8"?>
 <ct:contentTypeSchema xmlns:ct="http://schemas.microsoft.com/office/2006/metadata/contentType" xmlns:ma="http://schemas.microsoft.com/office/2006/metadata/properties/metaAttributes" ct:_="" ma:_="" ma:contentTypeName="Document" ma:contentTypeID="0x0101006B08A054FD435346B287BB258D6D8C2A" ma:contentTypeVersion="2" ma:contentTypeDescription="Create a new document." ma:contentTypeScope="" ma:versionID="6146b90b4382322d8952632f355192b7">
   <xsd:schema xmlns:xsd="http://www.w3.org/2001/XMLSchema" xmlns:xs="http://www.w3.org/2001/XMLSchema" xmlns:p="http://schemas.microsoft.com/office/2006/metadata/properties" xmlns:ns2="027ed24f-5970-4294-be5c-0919c5aaa214" xmlns:ns3="037063e9-a85e-4c78-8627-f1a9315663e5" targetNamespace="http://schemas.microsoft.com/office/2006/metadata/properties" ma:root="true" ma:fieldsID="b5d91f802dafd2e22aeea528efbe2d3e" ns2:_="" ns3:_="">
     <xsd:import namespace="027ed24f-5970-4294-be5c-0919c5aaa214"/>
@@ -20866,6 +20801,61 @@
 </ct:contentTypeSchema>
 </file>
 
+<file path=customXml/item3.xml><?xml version="1.0" encoding="utf-8"?>
+<?mso-contentType ?>
+<FormTemplates xmlns="http://schemas.microsoft.com/sharepoint/v3/contenttype/forms">
+  <Display>DocumentLibraryForm</Display>
+  <Edit>DocumentLibraryForm</Edit>
+  <New>DocumentLibraryForm</New>
+</FormTemplates>
+</file>
+
+<file path=customXml/item4.xml><?xml version="1.0" encoding="utf-8"?>
+<?mso-contentType ?>
+<spe:Receivers xmlns:spe="http://schemas.microsoft.com/sharepoint/events">
+  <Receiver>
+    <Name>Document ID Generator</Name>
+    <Synchronization>Synchronous</Synchronization>
+    <Type>10001</Type>
+    <SequenceNumber>1000</SequenceNumber>
+    <Assembly>Microsoft.Office.DocumentManagement, Version=14.0.0.0, Culture=neutral, PublicKeyToken=71e9bce111e9429c</Assembly>
+    <Class>Microsoft.Office.DocumentManagement.Internal.DocIdHandler</Class>
+    <Data/>
+    <Filter/>
+  </Receiver>
+  <Receiver>
+    <Name>Document ID Generator</Name>
+    <Synchronization>Synchronous</Synchronization>
+    <Type>10002</Type>
+    <SequenceNumber>1001</SequenceNumber>
+    <Assembly>Microsoft.Office.DocumentManagement, Version=14.0.0.0, Culture=neutral, PublicKeyToken=71e9bce111e9429c</Assembly>
+    <Class>Microsoft.Office.DocumentManagement.Internal.DocIdHandler</Class>
+    <Data/>
+    <Filter/>
+  </Receiver>
+  <Receiver>
+    <Name>Document ID Generator</Name>
+    <Synchronization>Synchronous</Synchronization>
+    <Type>10004</Type>
+    <SequenceNumber>1002</SequenceNumber>
+    <Assembly>Microsoft.Office.DocumentManagement, Version=14.0.0.0, Culture=neutral, PublicKeyToken=71e9bce111e9429c</Assembly>
+    <Class>Microsoft.Office.DocumentManagement.Internal.DocIdHandler</Class>
+    <Data/>
+    <Filter/>
+  </Receiver>
+  <Receiver>
+    <Name>Document ID Generator</Name>
+    <Synchronization>Synchronous</Synchronization>
+    <Type>10006</Type>
+    <SequenceNumber>1003</SequenceNumber>
+    <Assembly>Microsoft.Office.DocumentManagement, Version=14.0.0.0, Culture=neutral, PublicKeyToken=71e9bce111e9429c</Assembly>
+    <Class>Microsoft.Office.DocumentManagement.Internal.DocIdHandler</Class>
+    <Data/>
+    <Filter/>
+  </Receiver>
+</spe:Receivers>
+</file>
+
 <file path=customXml/itemProps1.xml><?xml version="1.0" encoding="utf-8"?>
 <ds:datastoreItem xmlns:ds="http://schemas.openxmlformats.org/officeDocument/2006/customXml" ds:itemID="{F47B9207-CE5C-49AD-B414-15CBFA246D65}">
   <ds:schemaRefs>
@@ -20878,22 +20868,6 @@
 </file>
 
 <file path=customXml/itemProps2.xml><?xml version="1.0" encoding="utf-8"?>
-<ds:datastoreItem xmlns:ds="http://schemas.openxmlformats.org/officeDocument/2006/customXml" ds:itemID="{B9043294-8302-4947-B882-02D6486F929C}">
-  <ds:schemaRefs>
-    <ds:schemaRef ds:uri="http://schemas.microsoft.com/sharepoint/events"/>
-  </ds:schemaRefs>
-</ds:datastoreItem>
-</file>
-
-<file path=customXml/itemProps3.xml><?xml version="1.0" encoding="utf-8"?>
-<ds:datastoreItem xmlns:ds="http://schemas.openxmlformats.org/officeDocument/2006/customXml" ds:itemID="{2DA015F3-603C-4688-A5F3-81D587DAB8C9}">
-  <ds:schemaRefs>
-    <ds:schemaRef ds:uri="http://schemas.microsoft.com/sharepoint/v3/contenttype/forms"/>
-  </ds:schemaRefs>
-</ds:datastoreItem>
-</file>
-
-<file path=customXml/itemProps4.xml><?xml version="1.0" encoding="utf-8"?>
 <ds:datastoreItem xmlns:ds="http://schemas.openxmlformats.org/officeDocument/2006/customXml" ds:itemID="{267176B6-2379-40DB-952F-2AEDDD966FA5}">
   <ds:schemaRefs>
     <ds:schemaRef ds:uri="http://schemas.microsoft.com/office/2006/metadata/contentType"/>
@@ -20910,4 +20884,20 @@
     <ds:schemaRef ds:uri="http://schemas.microsoft.com/internal/obd"/>
   </ds:schemaRefs>
 </ds:datastoreItem>
+</file>
+
+<file path=customXml/itemProps3.xml><?xml version="1.0" encoding="utf-8"?>
+<ds:datastoreItem xmlns:ds="http://schemas.openxmlformats.org/officeDocument/2006/customXml" ds:itemID="{2DA015F3-603C-4688-A5F3-81D587DAB8C9}">
+  <ds:schemaRefs>
+    <ds:schemaRef ds:uri="http://schemas.microsoft.com/sharepoint/v3/contenttype/forms"/>
+  </ds:schemaRefs>
+</ds:datastoreItem>
+</file>
+
+<file path=customXml/itemProps4.xml><?xml version="1.0" encoding="utf-8"?>
+<ds:datastoreItem xmlns:ds="http://schemas.openxmlformats.org/officeDocument/2006/customXml" ds:itemID="{B9043294-8302-4947-B882-02D6486F929C}">
+  <ds:schemaRefs>
+    <ds:schemaRef ds:uri="http://schemas.microsoft.com/sharepoint/events"/>
+  </ds:schemaRefs>
+</ds:datastoreItem>
 </file>